--- a/Health App.pptx
+++ b/Health App.pptx
@@ -15,14 +15,13 @@
     <p:sldId id="263" r:id="rId9"/>
     <p:sldId id="264" r:id="rId10"/>
     <p:sldId id="265" r:id="rId11"/>
-    <p:sldId id="266" r:id="rId12"/>
-    <p:sldId id="267" r:id="rId13"/>
-    <p:sldId id="268" r:id="rId14"/>
-    <p:sldId id="269" r:id="rId15"/>
-    <p:sldId id="270" r:id="rId16"/>
-    <p:sldId id="271" r:id="rId17"/>
-    <p:sldId id="272" r:id="rId18"/>
-    <p:sldId id="273" r:id="rId19"/>
+    <p:sldId id="267" r:id="rId12"/>
+    <p:sldId id="268" r:id="rId13"/>
+    <p:sldId id="269" r:id="rId14"/>
+    <p:sldId id="270" r:id="rId15"/>
+    <p:sldId id="271" r:id="rId16"/>
+    <p:sldId id="272" r:id="rId17"/>
+    <p:sldId id="273" r:id="rId18"/>
   </p:sldIdLst>
   <p:sldSz cx="12192000" cy="6858000"/>
   <p:notesSz cx="6858000" cy="9144000"/>
@@ -121,6 +120,11 @@
       </a:defRPr>
     </a:lvl9pPr>
   </p:defaultTextStyle>
+  <p:extLst>
+    <p:ext uri="{EFAFB233-063F-42B5-8137-9DF3F51BA10A}">
+      <p15:sldGuideLst xmlns:p15="http://schemas.microsoft.com/office/powerpoint/2012/main"/>
+    </p:ext>
+  </p:extLst>
 </p:presentation>
 </file>
 
@@ -577,7 +581,7 @@
           <a:p>
             <a:fld id="{A09732F4-1E8C-47ED-8767-466CFFE7A21D}" type="datetimeFigureOut">
               <a:rPr lang="en-US" smtClean="0"/>
-              <a:t>9/1/2020</a:t>
+              <a:t>9/2/2020</a:t>
             </a:fld>
             <a:endParaRPr lang="en-US"/>
           </a:p>
@@ -914,7 +918,7 @@
           <a:p>
             <a:fld id="{A09732F4-1E8C-47ED-8767-466CFFE7A21D}" type="datetimeFigureOut">
               <a:rPr lang="en-US" smtClean="0"/>
-              <a:t>9/1/2020</a:t>
+              <a:t>9/2/2020</a:t>
             </a:fld>
             <a:endParaRPr lang="en-US"/>
           </a:p>
@@ -1110,7 +1114,7 @@
           <a:p>
             <a:fld id="{A09732F4-1E8C-47ED-8767-466CFFE7A21D}" type="datetimeFigureOut">
               <a:rPr lang="en-US" smtClean="0"/>
-              <a:t>9/1/2020</a:t>
+              <a:t>9/2/2020</a:t>
             </a:fld>
             <a:endParaRPr lang="en-US"/>
           </a:p>
@@ -1380,7 +1384,7 @@
           <a:p>
             <a:fld id="{A09732F4-1E8C-47ED-8767-466CFFE7A21D}" type="datetimeFigureOut">
               <a:rPr lang="en-US" smtClean="0"/>
-              <a:t>9/1/2020</a:t>
+              <a:t>9/2/2020</a:t>
             </a:fld>
             <a:endParaRPr lang="en-US"/>
           </a:p>
@@ -1808,7 +1812,7 @@
           <a:p>
             <a:fld id="{A09732F4-1E8C-47ED-8767-466CFFE7A21D}" type="datetimeFigureOut">
               <a:rPr lang="en-US" smtClean="0"/>
-              <a:t>9/1/2020</a:t>
+              <a:t>9/2/2020</a:t>
             </a:fld>
             <a:endParaRPr lang="en-US"/>
           </a:p>
@@ -2358,7 +2362,7 @@
           <a:p>
             <a:fld id="{A09732F4-1E8C-47ED-8767-466CFFE7A21D}" type="datetimeFigureOut">
               <a:rPr lang="en-US" smtClean="0"/>
-              <a:t>9/1/2020</a:t>
+              <a:t>9/2/2020</a:t>
             </a:fld>
             <a:endParaRPr lang="en-US"/>
           </a:p>
@@ -3148,7 +3152,7 @@
           <a:p>
             <a:fld id="{A09732F4-1E8C-47ED-8767-466CFFE7A21D}" type="datetimeFigureOut">
               <a:rPr lang="en-US" smtClean="0"/>
-              <a:t>9/1/2020</a:t>
+              <a:t>9/2/2020</a:t>
             </a:fld>
             <a:endParaRPr lang="en-US"/>
           </a:p>
@@ -3327,7 +3331,7 @@
           <a:p>
             <a:fld id="{A09732F4-1E8C-47ED-8767-466CFFE7A21D}" type="datetimeFigureOut">
               <a:rPr lang="en-US" smtClean="0"/>
-              <a:t>9/1/2020</a:t>
+              <a:t>9/2/2020</a:t>
             </a:fld>
             <a:endParaRPr lang="en-US"/>
           </a:p>
@@ -3511,7 +3515,7 @@
           <a:p>
             <a:fld id="{A09732F4-1E8C-47ED-8767-466CFFE7A21D}" type="datetimeFigureOut">
               <a:rPr lang="en-US" smtClean="0"/>
-              <a:t>9/1/2020</a:t>
+              <a:t>9/2/2020</a:t>
             </a:fld>
             <a:endParaRPr lang="en-US"/>
           </a:p>
@@ -3686,7 +3690,7 @@
           <a:p>
             <a:fld id="{A09732F4-1E8C-47ED-8767-466CFFE7A21D}" type="datetimeFigureOut">
               <a:rPr lang="en-US" smtClean="0"/>
-              <a:t>9/1/2020</a:t>
+              <a:t>9/2/2020</a:t>
             </a:fld>
             <a:endParaRPr lang="en-US"/>
           </a:p>
@@ -3936,7 +3940,7 @@
           <a:p>
             <a:fld id="{A09732F4-1E8C-47ED-8767-466CFFE7A21D}" type="datetimeFigureOut">
               <a:rPr lang="en-US" smtClean="0"/>
-              <a:t>9/1/2020</a:t>
+              <a:t>9/2/2020</a:t>
             </a:fld>
             <a:endParaRPr lang="en-US"/>
           </a:p>
@@ -4178,7 +4182,7 @@
           <a:p>
             <a:fld id="{A09732F4-1E8C-47ED-8767-466CFFE7A21D}" type="datetimeFigureOut">
               <a:rPr lang="en-US" smtClean="0"/>
-              <a:t>9/1/2020</a:t>
+              <a:t>9/2/2020</a:t>
             </a:fld>
             <a:endParaRPr lang="en-US"/>
           </a:p>
@@ -4563,7 +4567,7 @@
           <a:p>
             <a:fld id="{A09732F4-1E8C-47ED-8767-466CFFE7A21D}" type="datetimeFigureOut">
               <a:rPr lang="en-US" smtClean="0"/>
-              <a:t>9/1/2020</a:t>
+              <a:t>9/2/2020</a:t>
             </a:fld>
             <a:endParaRPr lang="en-US"/>
           </a:p>
@@ -4681,7 +4685,7 @@
           <a:p>
             <a:fld id="{A09732F4-1E8C-47ED-8767-466CFFE7A21D}" type="datetimeFigureOut">
               <a:rPr lang="en-US" smtClean="0"/>
-              <a:t>9/1/2020</a:t>
+              <a:t>9/2/2020</a:t>
             </a:fld>
             <a:endParaRPr lang="en-US"/>
           </a:p>
@@ -4776,7 +4780,7 @@
           <a:p>
             <a:fld id="{A09732F4-1E8C-47ED-8767-466CFFE7A21D}" type="datetimeFigureOut">
               <a:rPr lang="en-US" smtClean="0"/>
-              <a:t>9/1/2020</a:t>
+              <a:t>9/2/2020</a:t>
             </a:fld>
             <a:endParaRPr lang="en-US"/>
           </a:p>
@@ -5029,7 +5033,7 @@
           <a:p>
             <a:fld id="{A09732F4-1E8C-47ED-8767-466CFFE7A21D}" type="datetimeFigureOut">
               <a:rPr lang="en-US" smtClean="0"/>
-              <a:t>9/1/2020</a:t>
+              <a:t>9/2/2020</a:t>
             </a:fld>
             <a:endParaRPr lang="en-US"/>
           </a:p>
@@ -5298,7 +5302,7 @@
           <a:p>
             <a:fld id="{A09732F4-1E8C-47ED-8767-466CFFE7A21D}" type="datetimeFigureOut">
               <a:rPr lang="en-US" smtClean="0"/>
-              <a:t>9/1/2020</a:t>
+              <a:t>9/2/2020</a:t>
             </a:fld>
             <a:endParaRPr lang="en-US"/>
           </a:p>
@@ -5701,7 +5705,7 @@
           <a:p>
             <a:fld id="{A09732F4-1E8C-47ED-8767-466CFFE7A21D}" type="datetimeFigureOut">
               <a:rPr lang="en-US" smtClean="0"/>
-              <a:t>9/1/2020</a:t>
+              <a:t>9/2/2020</a:t>
             </a:fld>
             <a:endParaRPr lang="en-US"/>
           </a:p>
@@ -6466,7 +6470,7 @@
                 <a14:useLocalDpi xmlns:a14="http://schemas.microsoft.com/office/drawing/2010/main" val="0"/>
               </a:ext>
               <a:ext uri="{96DAC541-7B7A-43D3-8B79-37D633B846F1}">
-                <asvg:svgBlip xmlns:asvg="http://schemas.microsoft.com/office/drawing/2016/SVG/main" r:embed="rId3"/>
+                <asvg:svgBlip xmlns:asvg="http://schemas.microsoft.com/office/drawing/2016/SVG/main" xmlns="" r:embed="rId3"/>
               </a:ext>
             </a:extLst>
           </a:blip>
@@ -6494,6 +6498,13 @@
   <p:clrMapOvr>
     <a:masterClrMapping/>
   </p:clrMapOvr>
+  <p:timing>
+    <p:tnLst>
+      <p:par>
+        <p:cTn id="1" dur="indefinite" restart="never" nodeType="tmRoot"/>
+      </p:par>
+    </p:tnLst>
+  </p:timing>
 </p:sld>
 </file>
 
@@ -6602,118 +6613,17 @@
   <p:clrMapOvr>
     <a:masterClrMapping/>
   </p:clrMapOvr>
+  <p:timing>
+    <p:tnLst>
+      <p:par>
+        <p:cTn id="1" dur="indefinite" restart="never" nodeType="tmRoot"/>
+      </p:par>
+    </p:tnLst>
+  </p:timing>
 </p:sld>
 </file>
 
 <file path=ppt/slides/slide11.xml><?xml version="1.0" encoding="utf-8"?>
-<p:sld xmlns:a="http://schemas.openxmlformats.org/drawingml/2006/main" xmlns:r="http://schemas.openxmlformats.org/officeDocument/2006/relationships" xmlns:p="http://schemas.openxmlformats.org/presentationml/2006/main">
-  <p:cSld>
-    <p:spTree>
-      <p:nvGrpSpPr>
-        <p:cNvPr id="1" name=""/>
-        <p:cNvGrpSpPr/>
-        <p:nvPr/>
-      </p:nvGrpSpPr>
-      <p:grpSpPr>
-        <a:xfrm>
-          <a:off x="0" y="0"/>
-          <a:ext cx="0" cy="0"/>
-          <a:chOff x="0" y="0"/>
-          <a:chExt cx="0" cy="0"/>
-        </a:xfrm>
-      </p:grpSpPr>
-      <p:sp>
-        <p:nvSpPr>
-          <p:cNvPr id="2" name="Rectangle 1">
-            <a:extLst>
-              <a:ext uri="{FF2B5EF4-FFF2-40B4-BE49-F238E27FC236}">
-                <a16:creationId xmlns:a16="http://schemas.microsoft.com/office/drawing/2014/main" id="{0DB8C5C2-C098-4D6D-94C8-7343E5AAF867}"/>
-              </a:ext>
-            </a:extLst>
-          </p:cNvPr>
-          <p:cNvSpPr/>
-          <p:nvPr/>
-        </p:nvSpPr>
-        <p:spPr>
-          <a:xfrm>
-            <a:off x="-71120" y="2438401"/>
-            <a:ext cx="2275840" cy="461665"/>
-          </a:xfrm>
-          <a:prstGeom prst="rect">
-            <a:avLst/>
-          </a:prstGeom>
-        </p:spPr>
-        <p:txBody>
-          <a:bodyPr wrap="square">
-            <a:spAutoFit/>
-          </a:bodyPr>
-          <a:lstStyle/>
-          <a:p>
-            <a:pPr marL="800100" lvl="1" indent="-342900">
-              <a:buFont typeface="Arial" panose="020B0604020202020204" pitchFamily="34" charset="0"/>
-              <a:buChar char="•"/>
-            </a:pPr>
-            <a:r>
-              <a:rPr lang="en-US" sz="2400" dirty="0">
-                <a:solidFill>
-                  <a:schemeClr val="accent1"/>
-                </a:solidFill>
-              </a:rPr>
-              <a:t>ACTIVITY</a:t>
-            </a:r>
-          </a:p>
-        </p:txBody>
-      </p:sp>
-      <p:pic>
-        <p:nvPicPr>
-          <p:cNvPr id="4" name="Picture 3" descr="A screenshot of a cell phone&#10;&#10;Description automatically generated">
-            <a:extLst>
-              <a:ext uri="{FF2B5EF4-FFF2-40B4-BE49-F238E27FC236}">
-                <a16:creationId xmlns:a16="http://schemas.microsoft.com/office/drawing/2014/main" id="{6F233377-1276-4007-83BD-3858FF07F2B3}"/>
-              </a:ext>
-            </a:extLst>
-          </p:cNvPr>
-          <p:cNvPicPr>
-            <a:picLocks noChangeAspect="1"/>
-          </p:cNvPicPr>
-          <p:nvPr/>
-        </p:nvPicPr>
-        <p:blipFill>
-          <a:blip r:embed="rId2">
-            <a:extLst>
-              <a:ext uri="{28A0092B-C50C-407E-A947-70E740481C1C}">
-                <a14:useLocalDpi xmlns:a14="http://schemas.microsoft.com/office/drawing/2010/main" val="0"/>
-              </a:ext>
-            </a:extLst>
-          </a:blip>
-          <a:stretch>
-            <a:fillRect/>
-          </a:stretch>
-        </p:blipFill>
-        <p:spPr>
-          <a:xfrm>
-            <a:off x="4216400" y="345440"/>
-            <a:ext cx="3677920" cy="5669280"/>
-          </a:xfrm>
-          <a:prstGeom prst="rect">
-            <a:avLst/>
-          </a:prstGeom>
-        </p:spPr>
-      </p:pic>
-    </p:spTree>
-    <p:extLst>
-      <p:ext uri="{BB962C8B-B14F-4D97-AF65-F5344CB8AC3E}">
-        <p14:creationId xmlns:p14="http://schemas.microsoft.com/office/powerpoint/2010/main" val="3353379017"/>
-      </p:ext>
-    </p:extLst>
-  </p:cSld>
-  <p:clrMapOvr>
-    <a:masterClrMapping/>
-  </p:clrMapOvr>
-</p:sld>
-</file>
-
-<file path=ppt/slides/slide12.xml><?xml version="1.0" encoding="utf-8"?>
 <p:sld xmlns:a="http://schemas.openxmlformats.org/drawingml/2006/main" xmlns:r="http://schemas.openxmlformats.org/officeDocument/2006/relationships" xmlns:p="http://schemas.openxmlformats.org/presentationml/2006/main">
   <p:cSld>
     <p:spTree>
@@ -6818,10 +6728,17 @@
   <p:clrMapOvr>
     <a:masterClrMapping/>
   </p:clrMapOvr>
+  <p:timing>
+    <p:tnLst>
+      <p:par>
+        <p:cTn id="1" dur="indefinite" restart="never" nodeType="tmRoot"/>
+      </p:par>
+    </p:tnLst>
+  </p:timing>
 </p:sld>
 </file>
 
-<file path=ppt/slides/slide13.xml><?xml version="1.0" encoding="utf-8"?>
+<file path=ppt/slides/slide12.xml><?xml version="1.0" encoding="utf-8"?>
 <p:sld xmlns:a="http://schemas.openxmlformats.org/drawingml/2006/main" xmlns:r="http://schemas.openxmlformats.org/officeDocument/2006/relationships" xmlns:p="http://schemas.openxmlformats.org/presentationml/2006/main">
   <p:cSld>
     <p:spTree>
@@ -6926,10 +6843,17 @@
   <p:clrMapOvr>
     <a:masterClrMapping/>
   </p:clrMapOvr>
+  <p:timing>
+    <p:tnLst>
+      <p:par>
+        <p:cTn id="1" dur="indefinite" restart="never" nodeType="tmRoot"/>
+      </p:par>
+    </p:tnLst>
+  </p:timing>
 </p:sld>
 </file>
 
-<file path=ppt/slides/slide14.xml><?xml version="1.0" encoding="utf-8"?>
+<file path=ppt/slides/slide13.xml><?xml version="1.0" encoding="utf-8"?>
 <p:sld xmlns:a="http://schemas.openxmlformats.org/drawingml/2006/main" xmlns:r="http://schemas.openxmlformats.org/officeDocument/2006/relationships" xmlns:p="http://schemas.openxmlformats.org/presentationml/2006/main">
   <p:cSld>
     <p:spTree>
@@ -7034,10 +6958,17 @@
   <p:clrMapOvr>
     <a:masterClrMapping/>
   </p:clrMapOvr>
+  <p:timing>
+    <p:tnLst>
+      <p:par>
+        <p:cTn id="1" dur="indefinite" restart="never" nodeType="tmRoot"/>
+      </p:par>
+    </p:tnLst>
+  </p:timing>
 </p:sld>
 </file>
 
-<file path=ppt/slides/slide15.xml><?xml version="1.0" encoding="utf-8"?>
+<file path=ppt/slides/slide14.xml><?xml version="1.0" encoding="utf-8"?>
 <p:sld xmlns:a="http://schemas.openxmlformats.org/drawingml/2006/main" xmlns:r="http://schemas.openxmlformats.org/officeDocument/2006/relationships" xmlns:p="http://schemas.openxmlformats.org/presentationml/2006/main">
   <p:cSld>
     <p:spTree>
@@ -7142,6 +7073,125 @@
   <p:clrMapOvr>
     <a:masterClrMapping/>
   </p:clrMapOvr>
+  <p:timing>
+    <p:tnLst>
+      <p:par>
+        <p:cTn id="1" dur="indefinite" restart="never" nodeType="tmRoot"/>
+      </p:par>
+    </p:tnLst>
+  </p:timing>
+</p:sld>
+</file>
+
+<file path=ppt/slides/slide15.xml><?xml version="1.0" encoding="utf-8"?>
+<p:sld xmlns:a="http://schemas.openxmlformats.org/drawingml/2006/main" xmlns:r="http://schemas.openxmlformats.org/officeDocument/2006/relationships" xmlns:p="http://schemas.openxmlformats.org/presentationml/2006/main">
+  <p:cSld>
+    <p:spTree>
+      <p:nvGrpSpPr>
+        <p:cNvPr id="1" name=""/>
+        <p:cNvGrpSpPr/>
+        <p:nvPr/>
+      </p:nvGrpSpPr>
+      <p:grpSpPr>
+        <a:xfrm>
+          <a:off x="0" y="0"/>
+          <a:ext cx="0" cy="0"/>
+          <a:chOff x="0" y="0"/>
+          <a:chExt cx="0" cy="0"/>
+        </a:xfrm>
+      </p:grpSpPr>
+      <p:sp>
+        <p:nvSpPr>
+          <p:cNvPr id="2" name="Title 1">
+            <a:extLst>
+              <a:ext uri="{FF2B5EF4-FFF2-40B4-BE49-F238E27FC236}">
+                <a16:creationId xmlns:a16="http://schemas.microsoft.com/office/drawing/2014/main" id="{62FACA63-9717-450B-BFB0-2CECAFFD5C38}"/>
+              </a:ext>
+            </a:extLst>
+          </p:cNvPr>
+          <p:cNvSpPr>
+            <a:spLocks noGrp="1"/>
+          </p:cNvSpPr>
+          <p:nvPr>
+            <p:ph type="title"/>
+          </p:nvPr>
+        </p:nvSpPr>
+        <p:spPr>
+          <a:xfrm>
+            <a:off x="95250" y="180975"/>
+            <a:ext cx="8639175" cy="1114426"/>
+          </a:xfrm>
+        </p:spPr>
+        <p:txBody>
+          <a:bodyPr>
+            <a:normAutofit/>
+          </a:bodyPr>
+          <a:lstStyle/>
+          <a:p>
+            <a:r>
+              <a:rPr lang="en-US" sz="4400" dirty="0"/>
+              <a:t>SCHEDULE </a:t>
+            </a:r>
+            <a:r>
+              <a:rPr lang="en-US" sz="4400" dirty="0" err="1"/>
+              <a:t>MANAGEMENt</a:t>
+            </a:r>
+            <a:endParaRPr lang="en-US" sz="4400" dirty="0"/>
+          </a:p>
+        </p:txBody>
+      </p:sp>
+      <p:pic>
+        <p:nvPicPr>
+          <p:cNvPr id="5" name="Content Placeholder 4" descr="A picture containing screenshot&#10;&#10;Description automatically generated">
+            <a:extLst>
+              <a:ext uri="{FF2B5EF4-FFF2-40B4-BE49-F238E27FC236}">
+                <a16:creationId xmlns:a16="http://schemas.microsoft.com/office/drawing/2014/main" id="{DAE46C85-0404-41AD-A813-2E718B21E1BC}"/>
+              </a:ext>
+            </a:extLst>
+          </p:cNvPr>
+          <p:cNvPicPr>
+            <a:picLocks noGrp="1" noChangeAspect="1"/>
+          </p:cNvPicPr>
+          <p:nvPr>
+            <p:ph sz="quarter" idx="13"/>
+          </p:nvPr>
+        </p:nvPicPr>
+        <p:blipFill>
+          <a:blip r:embed="rId2">
+            <a:extLst>
+              <a:ext uri="{28A0092B-C50C-407E-A947-70E740481C1C}">
+                <a14:useLocalDpi xmlns:a14="http://schemas.microsoft.com/office/drawing/2010/main" val="0"/>
+              </a:ext>
+            </a:extLst>
+          </a:blip>
+          <a:stretch>
+            <a:fillRect/>
+          </a:stretch>
+        </p:blipFill>
+        <p:spPr>
+          <a:xfrm>
+            <a:off x="95251" y="1295401"/>
+            <a:ext cx="11410950" cy="4762499"/>
+          </a:xfrm>
+        </p:spPr>
+      </p:pic>
+    </p:spTree>
+    <p:extLst>
+      <p:ext uri="{BB962C8B-B14F-4D97-AF65-F5344CB8AC3E}">
+        <p14:creationId xmlns:p14="http://schemas.microsoft.com/office/powerpoint/2010/main" val="3474485195"/>
+      </p:ext>
+    </p:extLst>
+  </p:cSld>
+  <p:clrMapOvr>
+    <a:masterClrMapping/>
+  </p:clrMapOvr>
+  <p:timing>
+    <p:tnLst>
+      <p:par>
+        <p:cTn id="1" dur="indefinite" restart="never" nodeType="tmRoot"/>
+      </p:par>
+    </p:tnLst>
+  </p:timing>
 </p:sld>
 </file>
 
@@ -7167,7 +7217,7 @@
           <p:cNvPr id="2" name="Title 1">
             <a:extLst>
               <a:ext uri="{FF2B5EF4-FFF2-40B4-BE49-F238E27FC236}">
-                <a16:creationId xmlns:a16="http://schemas.microsoft.com/office/drawing/2014/main" id="{62FACA63-9717-450B-BFB0-2CECAFFD5C38}"/>
+                <a16:creationId xmlns:a16="http://schemas.microsoft.com/office/drawing/2014/main" id="{2B823F26-B1E7-42FA-BAC1-6374FEB15A05}"/>
               </a:ext>
             </a:extLst>
           </p:cNvPr>
@@ -7180,8 +7230,8 @@
         </p:nvSpPr>
         <p:spPr>
           <a:xfrm>
-            <a:off x="95250" y="180975"/>
-            <a:ext cx="8639175" cy="1114426"/>
+            <a:off x="0" y="276227"/>
+            <a:ext cx="10925175" cy="771523"/>
           </a:xfrm>
         </p:spPr>
         <p:txBody>
@@ -7192,11 +7242,11 @@
           <a:p>
             <a:r>
               <a:rPr lang="en-US" sz="4400" dirty="0"/>
-              <a:t>SCHEDULE </a:t>
+              <a:t> COST </a:t>
             </a:r>
             <a:r>
               <a:rPr lang="en-US" sz="4400" dirty="0" err="1"/>
-              <a:t>MANAGEMENt</a:t>
+              <a:t>ESTIMation</a:t>
             </a:r>
             <a:endParaRPr lang="en-US" sz="4400" dirty="0"/>
           </a:p>
@@ -7204,13 +7254,7 @@
       </p:sp>
       <p:pic>
         <p:nvPicPr>
-          <p:cNvPr id="5" name="Content Placeholder 4" descr="A picture containing screenshot&#10;&#10;Description automatically generated">
-            <a:extLst>
-              <a:ext uri="{FF2B5EF4-FFF2-40B4-BE49-F238E27FC236}">
-                <a16:creationId xmlns:a16="http://schemas.microsoft.com/office/drawing/2014/main" id="{DAE46C85-0404-41AD-A813-2E718B21E1BC}"/>
-              </a:ext>
-            </a:extLst>
-          </p:cNvPr>
+          <p:cNvPr id="4" name="Content Placeholder 3"/>
           <p:cNvPicPr>
             <a:picLocks noGrp="1" noChangeAspect="1"/>
           </p:cNvPicPr>
@@ -7232,21 +7276,28 @@
         </p:blipFill>
         <p:spPr>
           <a:xfrm>
-            <a:off x="95251" y="1295401"/>
-            <a:ext cx="11410950" cy="4762499"/>
+            <a:off x="143691" y="1149531"/>
+            <a:ext cx="11430000" cy="5081451"/>
           </a:xfrm>
         </p:spPr>
       </p:pic>
     </p:spTree>
     <p:extLst>
       <p:ext uri="{BB962C8B-B14F-4D97-AF65-F5344CB8AC3E}">
-        <p14:creationId xmlns:p14="http://schemas.microsoft.com/office/powerpoint/2010/main" val="3474485195"/>
+        <p14:creationId xmlns:p14="http://schemas.microsoft.com/office/powerpoint/2010/main" val="3513687297"/>
       </p:ext>
     </p:extLst>
   </p:cSld>
   <p:clrMapOvr>
     <a:masterClrMapping/>
   </p:clrMapOvr>
+  <p:timing>
+    <p:tnLst>
+      <p:par>
+        <p:cTn id="1" dur="indefinite" restart="never" nodeType="tmRoot"/>
+      </p:par>
+    </p:tnLst>
+  </p:timing>
 </p:sld>
 </file>
 
@@ -7272,111 +7323,6 @@
           <p:cNvPr id="2" name="Title 1">
             <a:extLst>
               <a:ext uri="{FF2B5EF4-FFF2-40B4-BE49-F238E27FC236}">
-                <a16:creationId xmlns:a16="http://schemas.microsoft.com/office/drawing/2014/main" id="{2B823F26-B1E7-42FA-BAC1-6374FEB15A05}"/>
-              </a:ext>
-            </a:extLst>
-          </p:cNvPr>
-          <p:cNvSpPr>
-            <a:spLocks noGrp="1"/>
-          </p:cNvSpPr>
-          <p:nvPr>
-            <p:ph type="title"/>
-          </p:nvPr>
-        </p:nvSpPr>
-        <p:spPr>
-          <a:xfrm>
-            <a:off x="0" y="276227"/>
-            <a:ext cx="10925175" cy="771523"/>
-          </a:xfrm>
-        </p:spPr>
-        <p:txBody>
-          <a:bodyPr>
-            <a:normAutofit/>
-          </a:bodyPr>
-          <a:lstStyle/>
-          <a:p>
-            <a:r>
-              <a:rPr lang="en-US" sz="4400" dirty="0"/>
-              <a:t> COST </a:t>
-            </a:r>
-            <a:r>
-              <a:rPr lang="en-US" sz="4400" dirty="0" err="1"/>
-              <a:t>ESTIMation</a:t>
-            </a:r>
-            <a:endParaRPr lang="en-US" sz="4400" dirty="0"/>
-          </a:p>
-        </p:txBody>
-      </p:sp>
-      <p:pic>
-        <p:nvPicPr>
-          <p:cNvPr id="5" name="Content Placeholder 4" descr="A screenshot of a video game&#10;&#10;Description automatically generated">
-            <a:extLst>
-              <a:ext uri="{FF2B5EF4-FFF2-40B4-BE49-F238E27FC236}">
-                <a16:creationId xmlns:a16="http://schemas.microsoft.com/office/drawing/2014/main" id="{861C35D8-B5FE-4EA2-8AB3-F7B51A0D82BE}"/>
-              </a:ext>
-            </a:extLst>
-          </p:cNvPr>
-          <p:cNvPicPr>
-            <a:picLocks noGrp="1" noChangeAspect="1"/>
-          </p:cNvPicPr>
-          <p:nvPr>
-            <p:ph sz="quarter" idx="13"/>
-          </p:nvPr>
-        </p:nvPicPr>
-        <p:blipFill>
-          <a:blip r:embed="rId2">
-            <a:extLst>
-              <a:ext uri="{28A0092B-C50C-407E-A947-70E740481C1C}">
-                <a14:useLocalDpi xmlns:a14="http://schemas.microsoft.com/office/drawing/2010/main" val="0"/>
-              </a:ext>
-            </a:extLst>
-          </a:blip>
-          <a:stretch>
-            <a:fillRect/>
-          </a:stretch>
-        </p:blipFill>
-        <p:spPr>
-          <a:xfrm>
-            <a:off x="135318" y="1114424"/>
-            <a:ext cx="11389932" cy="5038725"/>
-          </a:xfrm>
-        </p:spPr>
-      </p:pic>
-    </p:spTree>
-    <p:extLst>
-      <p:ext uri="{BB962C8B-B14F-4D97-AF65-F5344CB8AC3E}">
-        <p14:creationId xmlns:p14="http://schemas.microsoft.com/office/powerpoint/2010/main" val="3513687297"/>
-      </p:ext>
-    </p:extLst>
-  </p:cSld>
-  <p:clrMapOvr>
-    <a:masterClrMapping/>
-  </p:clrMapOvr>
-</p:sld>
-</file>
-
-<file path=ppt/slides/slide18.xml><?xml version="1.0" encoding="utf-8"?>
-<p:sld xmlns:a="http://schemas.openxmlformats.org/drawingml/2006/main" xmlns:r="http://schemas.openxmlformats.org/officeDocument/2006/relationships" xmlns:p="http://schemas.openxmlformats.org/presentationml/2006/main">
-  <p:cSld>
-    <p:spTree>
-      <p:nvGrpSpPr>
-        <p:cNvPr id="1" name=""/>
-        <p:cNvGrpSpPr/>
-        <p:nvPr/>
-      </p:nvGrpSpPr>
-      <p:grpSpPr>
-        <a:xfrm>
-          <a:off x="0" y="0"/>
-          <a:ext cx="0" cy="0"/>
-          <a:chOff x="0" y="0"/>
-          <a:chExt cx="0" cy="0"/>
-        </a:xfrm>
-      </p:grpSpPr>
-      <p:sp>
-        <p:nvSpPr>
-          <p:cNvPr id="2" name="Title 1">
-            <a:extLst>
-              <a:ext uri="{FF2B5EF4-FFF2-40B4-BE49-F238E27FC236}">
                 <a16:creationId xmlns:a16="http://schemas.microsoft.com/office/drawing/2014/main" id="{42F7ECE7-5C65-479A-BB53-2EE1E1FA6B0F}"/>
               </a:ext>
             </a:extLst>
@@ -7465,6 +7411,13 @@
   <p:clrMapOvr>
     <a:masterClrMapping/>
   </p:clrMapOvr>
+  <p:timing>
+    <p:tnLst>
+      <p:par>
+        <p:cTn id="1" dur="indefinite" restart="never" nodeType="tmRoot"/>
+      </p:par>
+    </p:tnLst>
+  </p:timing>
 </p:sld>
 </file>
 
@@ -7539,7 +7492,7 @@
           <p:nvPr/>
         </p:nvPicPr>
         <p:blipFill>
-          <a:blip r:embed="rId2">
+          <a:blip r:embed="rId2" cstate="hqprint">
             <a:extLst>
               <a:ext uri="{28A0092B-C50C-407E-A947-70E740481C1C}">
                 <a14:useLocalDpi xmlns:a14="http://schemas.microsoft.com/office/drawing/2010/main" val="0"/>
@@ -7575,7 +7528,7 @@
           <p:nvPr/>
         </p:nvPicPr>
         <p:blipFill>
-          <a:blip r:embed="rId3">
+          <a:blip r:embed="rId3" cstate="hqprint">
             <a:extLst>
               <a:ext uri="{28A0092B-C50C-407E-A947-70E740481C1C}">
                 <a14:useLocalDpi xmlns:a14="http://schemas.microsoft.com/office/drawing/2010/main" val="0"/>
@@ -7611,7 +7564,7 @@
           <p:nvPr/>
         </p:nvPicPr>
         <p:blipFill>
-          <a:blip r:embed="rId4">
+          <a:blip r:embed="rId4" cstate="hqprint">
             <a:extLst>
               <a:ext uri="{28A0092B-C50C-407E-A947-70E740481C1C}">
                 <a14:useLocalDpi xmlns:a14="http://schemas.microsoft.com/office/drawing/2010/main" val="0"/>
@@ -7846,7 +7799,7 @@
           <p:nvPr/>
         </p:nvPicPr>
         <p:blipFill>
-          <a:blip r:embed="rId5">
+          <a:blip r:embed="rId5" cstate="hqprint">
             <a:extLst>
               <a:ext uri="{28A0092B-C50C-407E-A947-70E740481C1C}">
                 <a14:useLocalDpi xmlns:a14="http://schemas.microsoft.com/office/drawing/2010/main" val="0"/>
@@ -7929,7 +7882,7 @@
           <p:nvPr/>
         </p:nvPicPr>
         <p:blipFill>
-          <a:blip r:embed="rId6">
+          <a:blip r:embed="rId6" cstate="hqprint">
             <a:extLst>
               <a:ext uri="{28A0092B-C50C-407E-A947-70E740481C1C}">
                 <a14:useLocalDpi xmlns:a14="http://schemas.microsoft.com/office/drawing/2010/main" val="0"/>
@@ -7960,6 +7913,13 @@
   <p:clrMapOvr>
     <a:masterClrMapping/>
   </p:clrMapOvr>
+  <p:timing>
+    <p:tnLst>
+      <p:par>
+        <p:cTn id="1" dur="indefinite" restart="never" nodeType="tmRoot"/>
+      </p:par>
+    </p:tnLst>
+  </p:timing>
 </p:sld>
 </file>
 
@@ -8096,6 +8056,13 @@
   <p:clrMapOvr>
     <a:masterClrMapping/>
   </p:clrMapOvr>
+  <p:timing>
+    <p:tnLst>
+      <p:par>
+        <p:cTn id="1" dur="indefinite" restart="never" nodeType="tmRoot"/>
+      </p:par>
+    </p:tnLst>
+  </p:timing>
 </p:sld>
 </file>
 
@@ -8196,6 +8163,13 @@
   <p:clrMapOvr>
     <a:masterClrMapping/>
   </p:clrMapOvr>
+  <p:timing>
+    <p:tnLst>
+      <p:par>
+        <p:cTn id="1" dur="indefinite" restart="never" nodeType="tmRoot"/>
+      </p:par>
+    </p:tnLst>
+  </p:timing>
 </p:sld>
 </file>
 
@@ -8296,6 +8270,13 @@
   <p:clrMapOvr>
     <a:masterClrMapping/>
   </p:clrMapOvr>
+  <p:timing>
+    <p:tnLst>
+      <p:par>
+        <p:cTn id="1" dur="indefinite" restart="never" nodeType="tmRoot"/>
+      </p:par>
+    </p:tnLst>
+  </p:timing>
 </p:sld>
 </file>
 
@@ -8430,6 +8411,13 @@
   <p:clrMapOvr>
     <a:masterClrMapping/>
   </p:clrMapOvr>
+  <p:timing>
+    <p:tnLst>
+      <p:par>
+        <p:cTn id="1" dur="indefinite" restart="never" nodeType="tmRoot"/>
+      </p:par>
+    </p:tnLst>
+  </p:timing>
 </p:sld>
 </file>
 
@@ -8588,6 +8576,13 @@
   <p:clrMapOvr>
     <a:masterClrMapping/>
   </p:clrMapOvr>
+  <p:timing>
+    <p:tnLst>
+      <p:par>
+        <p:cTn id="1" dur="indefinite" restart="never" nodeType="tmRoot"/>
+      </p:par>
+    </p:tnLst>
+  </p:timing>
 </p:sld>
 </file>
 
@@ -8696,6 +8691,13 @@
   <p:clrMapOvr>
     <a:masterClrMapping/>
   </p:clrMapOvr>
+  <p:timing>
+    <p:tnLst>
+      <p:par>
+        <p:cTn id="1" dur="indefinite" restart="never" nodeType="tmRoot"/>
+      </p:par>
+    </p:tnLst>
+  </p:timing>
 </p:sld>
 </file>
 
@@ -8804,6 +8806,13 @@
   <p:clrMapOvr>
     <a:masterClrMapping/>
   </p:clrMapOvr>
+  <p:timing>
+    <p:tnLst>
+      <p:par>
+        <p:cTn id="1" dur="indefinite" restart="never" nodeType="tmRoot"/>
+      </p:par>
+    </p:tnLst>
+  </p:timing>
 </p:sld>
 </file>
 

--- a/Health App.pptx
+++ b/Health App.pptx
@@ -8647,13 +8647,7 @@
       </p:sp>
       <p:pic>
         <p:nvPicPr>
-          <p:cNvPr id="4" name="Picture 3" descr="A screenshot of a cell phone&#10;&#10;Description automatically generated">
-            <a:extLst>
-              <a:ext uri="{FF2B5EF4-FFF2-40B4-BE49-F238E27FC236}">
-                <a16:creationId xmlns:a16="http://schemas.microsoft.com/office/drawing/2014/main" id="{EA6D14BA-9035-411A-96BE-7345EFB27EFA}"/>
-              </a:ext>
-            </a:extLst>
-          </p:cNvPr>
+          <p:cNvPr id="3" name="Picture 2"/>
           <p:cNvPicPr>
             <a:picLocks noChangeAspect="1"/>
           </p:cNvPicPr>
@@ -8673,8 +8667,8 @@
         </p:blipFill>
         <p:spPr>
           <a:xfrm>
-            <a:off x="4225258" y="619760"/>
-            <a:ext cx="3741484" cy="5384799"/>
+            <a:off x="3645074" y="425885"/>
+            <a:ext cx="3106454" cy="5504568"/>
           </a:xfrm>
           <a:prstGeom prst="rect">
             <a:avLst/>

--- a/Health App.pptx
+++ b/Health App.pptx
@@ -6914,13 +6914,7 @@
       </p:sp>
       <p:pic>
         <p:nvPicPr>
-          <p:cNvPr id="4" name="Picture 3" descr="A screenshot of a cell phone&#10;&#10;Description automatically generated">
-            <a:extLst>
-              <a:ext uri="{FF2B5EF4-FFF2-40B4-BE49-F238E27FC236}">
-                <a16:creationId xmlns:a16="http://schemas.microsoft.com/office/drawing/2014/main" id="{AE8C169A-F02A-41CB-B088-8E70B11E0D1A}"/>
-              </a:ext>
-            </a:extLst>
-          </p:cNvPr>
+          <p:cNvPr id="3" name="Picture 2"/>
           <p:cNvPicPr>
             <a:picLocks noChangeAspect="1"/>
           </p:cNvPicPr>
@@ -6940,8 +6934,8 @@
         </p:blipFill>
         <p:spPr>
           <a:xfrm>
-            <a:off x="4135120" y="304800"/>
-            <a:ext cx="3850639" cy="5770880"/>
+            <a:off x="3975904" y="364559"/>
+            <a:ext cx="3438525" cy="5753100"/>
           </a:xfrm>
           <a:prstGeom prst="rect">
             <a:avLst/>
@@ -8667,8 +8661,8 @@
         </p:blipFill>
         <p:spPr>
           <a:xfrm>
-            <a:off x="3645074" y="425885"/>
-            <a:ext cx="3106454" cy="5504568"/>
+            <a:off x="4446739" y="363254"/>
+            <a:ext cx="3319397" cy="5881898"/>
           </a:xfrm>
           <a:prstGeom prst="rect">
             <a:avLst/>

--- a/Health App.pptx
+++ b/Health App.pptx
@@ -21,7 +21,8 @@
     <p:sldId id="270" r:id="rId15"/>
     <p:sldId id="271" r:id="rId16"/>
     <p:sldId id="272" r:id="rId17"/>
-    <p:sldId id="273" r:id="rId18"/>
+    <p:sldId id="274" r:id="rId18"/>
+    <p:sldId id="273" r:id="rId19"/>
   </p:sldIdLst>
   <p:sldSz cx="12192000" cy="6858000"/>
   <p:notesSz cx="6858000" cy="9144000"/>
@@ -6359,7 +6360,27 @@
                 <a:latin typeface="Times New Roman" panose="02020603050405020304" pitchFamily="18" charset="0"/>
                 <a:cs typeface="Times New Roman" panose="02020603050405020304" pitchFamily="18" charset="0"/>
               </a:rPr>
-              <a:t>BHARATH KRISHNA GANDHASIRI</a:t>
+              <a:t>BHARATH </a:t>
+            </a:r>
+            <a:r>
+              <a:rPr lang="en-US" sz="2900" dirty="0" err="1">
+                <a:solidFill>
+                  <a:srgbClr val="002060"/>
+                </a:solidFill>
+                <a:latin typeface="Times New Roman" panose="02020603050405020304" pitchFamily="18" charset="0"/>
+                <a:cs typeface="Times New Roman" panose="02020603050405020304" pitchFamily="18" charset="0"/>
+              </a:rPr>
+              <a:t>KUmar</a:t>
+            </a:r>
+            <a:r>
+              <a:rPr lang="en-US" sz="2900" dirty="0">
+                <a:solidFill>
+                  <a:srgbClr val="002060"/>
+                </a:solidFill>
+                <a:latin typeface="Times New Roman" panose="02020603050405020304" pitchFamily="18" charset="0"/>
+                <a:cs typeface="Times New Roman" panose="02020603050405020304" pitchFamily="18" charset="0"/>
+              </a:rPr>
+              <a:t> GANDHASIRI</a:t>
             </a:r>
           </a:p>
           <a:p>
@@ -6470,7 +6491,7 @@
                 <a14:useLocalDpi xmlns:a14="http://schemas.microsoft.com/office/drawing/2010/main" val="0"/>
               </a:ext>
               <a:ext uri="{96DAC541-7B7A-43D3-8B79-37D633B846F1}">
-                <asvg:svgBlip xmlns:asvg="http://schemas.microsoft.com/office/drawing/2016/SVG/main" xmlns="" r:embed="rId3"/>
+                <asvg:svgBlip xmlns:asvg="http://schemas.microsoft.com/office/drawing/2016/SVG/main" r:embed="rId3"/>
               </a:ext>
             </a:extLst>
           </a:blip>
@@ -6498,13 +6519,6 @@
   <p:clrMapOvr>
     <a:masterClrMapping/>
   </p:clrMapOvr>
-  <p:timing>
-    <p:tnLst>
-      <p:par>
-        <p:cTn id="1" dur="indefinite" restart="never" nodeType="tmRoot"/>
-      </p:par>
-    </p:tnLst>
-  </p:timing>
 </p:sld>
 </file>
 
@@ -6613,13 +6627,6 @@
   <p:clrMapOvr>
     <a:masterClrMapping/>
   </p:clrMapOvr>
-  <p:timing>
-    <p:tnLst>
-      <p:par>
-        <p:cTn id="1" dur="indefinite" restart="never" nodeType="tmRoot"/>
-      </p:par>
-    </p:tnLst>
-  </p:timing>
 </p:sld>
 </file>
 
@@ -6728,13 +6735,6 @@
   <p:clrMapOvr>
     <a:masterClrMapping/>
   </p:clrMapOvr>
-  <p:timing>
-    <p:tnLst>
-      <p:par>
-        <p:cTn id="1" dur="indefinite" restart="never" nodeType="tmRoot"/>
-      </p:par>
-    </p:tnLst>
-  </p:timing>
 </p:sld>
 </file>
 
@@ -6843,13 +6843,6 @@
   <p:clrMapOvr>
     <a:masterClrMapping/>
   </p:clrMapOvr>
-  <p:timing>
-    <p:tnLst>
-      <p:par>
-        <p:cTn id="1" dur="indefinite" restart="never" nodeType="tmRoot"/>
-      </p:par>
-    </p:tnLst>
-  </p:timing>
 </p:sld>
 </file>
 
@@ -6952,13 +6945,6 @@
   <p:clrMapOvr>
     <a:masterClrMapping/>
   </p:clrMapOvr>
-  <p:timing>
-    <p:tnLst>
-      <p:par>
-        <p:cTn id="1" dur="indefinite" restart="never" nodeType="tmRoot"/>
-      </p:par>
-    </p:tnLst>
-  </p:timing>
 </p:sld>
 </file>
 
@@ -7067,13 +7053,6 @@
   <p:clrMapOvr>
     <a:masterClrMapping/>
   </p:clrMapOvr>
-  <p:timing>
-    <p:tnLst>
-      <p:par>
-        <p:cTn id="1" dur="indefinite" restart="never" nodeType="tmRoot"/>
-      </p:par>
-    </p:tnLst>
-  </p:timing>
 </p:sld>
 </file>
 
@@ -7179,13 +7158,6 @@
   <p:clrMapOvr>
     <a:masterClrMapping/>
   </p:clrMapOvr>
-  <p:timing>
-    <p:tnLst>
-      <p:par>
-        <p:cTn id="1" dur="indefinite" restart="never" nodeType="tmRoot"/>
-      </p:par>
-    </p:tnLst>
-  </p:timing>
 </p:sld>
 </file>
 
@@ -7285,13 +7257,6 @@
   <p:clrMapOvr>
     <a:masterClrMapping/>
   </p:clrMapOvr>
-  <p:timing>
-    <p:tnLst>
-      <p:par>
-        <p:cTn id="1" dur="indefinite" restart="never" nodeType="tmRoot"/>
-      </p:par>
-    </p:tnLst>
-  </p:timing>
 </p:sld>
 </file>
 
@@ -7317,6 +7282,99 @@
           <p:cNvPr id="2" name="Title 1">
             <a:extLst>
               <a:ext uri="{FF2B5EF4-FFF2-40B4-BE49-F238E27FC236}">
+                <a16:creationId xmlns:a16="http://schemas.microsoft.com/office/drawing/2014/main" id="{896A838D-1680-4461-8A5C-821073850F1E}"/>
+              </a:ext>
+            </a:extLst>
+          </p:cNvPr>
+          <p:cNvSpPr>
+            <a:spLocks noGrp="1"/>
+          </p:cNvSpPr>
+          <p:nvPr>
+            <p:ph type="title"/>
+          </p:nvPr>
+        </p:nvSpPr>
+        <p:spPr/>
+        <p:txBody>
+          <a:bodyPr/>
+          <a:lstStyle/>
+          <a:p>
+            <a:r>
+              <a:rPr lang="en-US" dirty="0"/>
+              <a:t>References	</a:t>
+            </a:r>
+          </a:p>
+        </p:txBody>
+      </p:sp>
+      <p:sp>
+        <p:nvSpPr>
+          <p:cNvPr id="3" name="Content Placeholder 2">
+            <a:extLst>
+              <a:ext uri="{FF2B5EF4-FFF2-40B4-BE49-F238E27FC236}">
+                <a16:creationId xmlns:a16="http://schemas.microsoft.com/office/drawing/2014/main" id="{8AC80048-9FBD-4C0A-86A9-E0380EACCF2A}"/>
+              </a:ext>
+            </a:extLst>
+          </p:cNvPr>
+          <p:cNvSpPr>
+            <a:spLocks noGrp="1"/>
+          </p:cNvSpPr>
+          <p:nvPr>
+            <p:ph sz="quarter" idx="13"/>
+          </p:nvPr>
+        </p:nvSpPr>
+        <p:spPr/>
+        <p:txBody>
+          <a:bodyPr/>
+          <a:lstStyle/>
+          <a:p>
+            <a:r>
+              <a:rPr lang="en-US" dirty="0"/>
+              <a:t>GITHUB Link : </a:t>
+            </a:r>
+            <a:r>
+              <a:rPr lang="en-US" dirty="0">
+                <a:hlinkClick r:id="rId2"/>
+              </a:rPr>
+              <a:t>https://github.com/Mohanalavala/HealthApp</a:t>
+            </a:r>
+            <a:endParaRPr lang="en-US" dirty="0"/>
+          </a:p>
+        </p:txBody>
+      </p:sp>
+    </p:spTree>
+    <p:extLst>
+      <p:ext uri="{BB962C8B-B14F-4D97-AF65-F5344CB8AC3E}">
+        <p14:creationId xmlns:p14="http://schemas.microsoft.com/office/powerpoint/2010/main" val="737252347"/>
+      </p:ext>
+    </p:extLst>
+  </p:cSld>
+  <p:clrMapOvr>
+    <a:masterClrMapping/>
+  </p:clrMapOvr>
+</p:sld>
+</file>
+
+<file path=ppt/slides/slide18.xml><?xml version="1.0" encoding="utf-8"?>
+<p:sld xmlns:a="http://schemas.openxmlformats.org/drawingml/2006/main" xmlns:r="http://schemas.openxmlformats.org/officeDocument/2006/relationships" xmlns:p="http://schemas.openxmlformats.org/presentationml/2006/main">
+  <p:cSld>
+    <p:spTree>
+      <p:nvGrpSpPr>
+        <p:cNvPr id="1" name=""/>
+        <p:cNvGrpSpPr/>
+        <p:nvPr/>
+      </p:nvGrpSpPr>
+      <p:grpSpPr>
+        <a:xfrm>
+          <a:off x="0" y="0"/>
+          <a:ext cx="0" cy="0"/>
+          <a:chOff x="0" y="0"/>
+          <a:chExt cx="0" cy="0"/>
+        </a:xfrm>
+      </p:grpSpPr>
+      <p:sp>
+        <p:nvSpPr>
+          <p:cNvPr id="2" name="Title 1">
+            <a:extLst>
+              <a:ext uri="{FF2B5EF4-FFF2-40B4-BE49-F238E27FC236}">
                 <a16:creationId xmlns:a16="http://schemas.microsoft.com/office/drawing/2014/main" id="{42F7ECE7-5C65-479A-BB53-2EE1E1FA6B0F}"/>
               </a:ext>
             </a:extLst>
@@ -7405,13 +7463,6 @@
   <p:clrMapOvr>
     <a:masterClrMapping/>
   </p:clrMapOvr>
-  <p:timing>
-    <p:tnLst>
-      <p:par>
-        <p:cTn id="1" dur="indefinite" restart="never" nodeType="tmRoot"/>
-      </p:par>
-    </p:tnLst>
-  </p:timing>
 </p:sld>
 </file>
 
@@ -7907,13 +7958,6 @@
   <p:clrMapOvr>
     <a:masterClrMapping/>
   </p:clrMapOvr>
-  <p:timing>
-    <p:tnLst>
-      <p:par>
-        <p:cTn id="1" dur="indefinite" restart="never" nodeType="tmRoot"/>
-      </p:par>
-    </p:tnLst>
-  </p:timing>
 </p:sld>
 </file>
 
@@ -8050,13 +8094,6 @@
   <p:clrMapOvr>
     <a:masterClrMapping/>
   </p:clrMapOvr>
-  <p:timing>
-    <p:tnLst>
-      <p:par>
-        <p:cTn id="1" dur="indefinite" restart="never" nodeType="tmRoot"/>
-      </p:par>
-    </p:tnLst>
-  </p:timing>
 </p:sld>
 </file>
 
@@ -8157,13 +8194,6 @@
   <p:clrMapOvr>
     <a:masterClrMapping/>
   </p:clrMapOvr>
-  <p:timing>
-    <p:tnLst>
-      <p:par>
-        <p:cTn id="1" dur="indefinite" restart="never" nodeType="tmRoot"/>
-      </p:par>
-    </p:tnLst>
-  </p:timing>
 </p:sld>
 </file>
 
@@ -8264,13 +8294,6 @@
   <p:clrMapOvr>
     <a:masterClrMapping/>
   </p:clrMapOvr>
-  <p:timing>
-    <p:tnLst>
-      <p:par>
-        <p:cTn id="1" dur="indefinite" restart="never" nodeType="tmRoot"/>
-      </p:par>
-    </p:tnLst>
-  </p:timing>
 </p:sld>
 </file>
 
@@ -8405,13 +8428,6 @@
   <p:clrMapOvr>
     <a:masterClrMapping/>
   </p:clrMapOvr>
-  <p:timing>
-    <p:tnLst>
-      <p:par>
-        <p:cTn id="1" dur="indefinite" restart="never" nodeType="tmRoot"/>
-      </p:par>
-    </p:tnLst>
-  </p:timing>
 </p:sld>
 </file>
 
@@ -8570,13 +8586,6 @@
   <p:clrMapOvr>
     <a:masterClrMapping/>
   </p:clrMapOvr>
-  <p:timing>
-    <p:tnLst>
-      <p:par>
-        <p:cTn id="1" dur="indefinite" restart="never" nodeType="tmRoot"/>
-      </p:par>
-    </p:tnLst>
-  </p:timing>
 </p:sld>
 </file>
 
@@ -8679,13 +8688,6 @@
   <p:clrMapOvr>
     <a:masterClrMapping/>
   </p:clrMapOvr>
-  <p:timing>
-    <p:tnLst>
-      <p:par>
-        <p:cTn id="1" dur="indefinite" restart="never" nodeType="tmRoot"/>
-      </p:par>
-    </p:tnLst>
-  </p:timing>
 </p:sld>
 </file>
 
@@ -8794,13 +8796,6 @@
   <p:clrMapOvr>
     <a:masterClrMapping/>
   </p:clrMapOvr>
-  <p:timing>
-    <p:tnLst>
-      <p:par>
-        <p:cTn id="1" dur="indefinite" restart="never" nodeType="tmRoot"/>
-      </p:par>
-    </p:tnLst>
-  </p:timing>
 </p:sld>
 </file>
 
